--- a/doc/presentation/fapra.pptx
+++ b/doc/presentation/fapra.pptx
@@ -129,6 +129,7 @@
 <file path=ppt/revisionInfo.xml><?xml version="1.0" encoding="utf-8"?>
 <p1510:revInfo xmlns:a="http://schemas.openxmlformats.org/drawingml/2006/main" xmlns:r="http://schemas.openxmlformats.org/officeDocument/2006/relationships" xmlns:p1510="http://schemas.microsoft.com/office/powerpoint/2015/10/main">
   <p1510:revLst>
+    <p1510:client id="{0F430CE2-65F0-4733-A6E5-7DA549A3BA82}" v="23" dt="2020-05-14T08:16:07.696"/>
     <p1510:client id="{23544110-F4AE-46A7-82EB-1E154C99DA9F}" v="2147" dt="2020-03-23T12:36:19.790"/>
     <p1510:client id="{72646C4B-83F2-4D69-9FCE-049756CA8230}" v="2815" dt="2020-05-11T10:24:04.029"/>
   </p1510:revLst>
@@ -217,7 +218,7 @@
           <a:p>
             <a:fld id="{491C0F4F-F513-4628-89F5-58A683EFFD09}" type="datetimeFigureOut">
               <a:rPr lang="de-DE"/>
-              <a:t>11.05.2020</a:t>
+              <a:t>14.05.2020</a:t>
             </a:fld>
             <a:endParaRPr lang="de-DE"/>
           </a:p>
@@ -672,7 +673,7 @@
           <a:p>
             <a:fld id="{A27C43F3-1DB4-4068-8564-347CC9EC9C36}" type="slidenum">
               <a:rPr lang="de-DE"/>
-              <a:t>‹Nr.›</a:t>
+              <a:t>3</a:t>
             </a:fld>
             <a:endParaRPr lang="de-DE"/>
           </a:p>
@@ -781,7 +782,7 @@
           <a:p>
             <a:fld id="{A27C43F3-1DB4-4068-8564-347CC9EC9C36}" type="slidenum">
               <a:rPr lang="de-DE"/>
-              <a:t>‹Nr.›</a:t>
+              <a:t>5</a:t>
             </a:fld>
             <a:endParaRPr lang="de-DE"/>
           </a:p>
@@ -897,7 +898,7 @@
           <a:p>
             <a:fld id="{A27C43F3-1DB4-4068-8564-347CC9EC9C36}" type="slidenum">
               <a:rPr lang="de-DE"/>
-              <a:t>‹Nr.›</a:t>
+              <a:t>6</a:t>
             </a:fld>
             <a:endParaRPr lang="de-DE"/>
           </a:p>
@@ -1174,7 +1175,7 @@
           <a:p>
             <a:fld id="{A27C43F3-1DB4-4068-8564-347CC9EC9C36}" type="slidenum">
               <a:rPr lang="de-DE"/>
-              <a:t>‹Nr.›</a:t>
+              <a:t>8</a:t>
             </a:fld>
             <a:endParaRPr lang="de-DE"/>
           </a:p>
@@ -1331,7 +1332,7 @@
           <a:p>
             <a:fld id="{A27C43F3-1DB4-4068-8564-347CC9EC9C36}" type="slidenum">
               <a:rPr lang="de-DE"/>
-              <a:t>‹Nr.›</a:t>
+              <a:t>9</a:t>
             </a:fld>
             <a:endParaRPr lang="de-DE"/>
           </a:p>
@@ -1440,7 +1441,7 @@
           <a:p>
             <a:fld id="{A27C43F3-1DB4-4068-8564-347CC9EC9C36}" type="slidenum">
               <a:rPr lang="de-DE"/>
-              <a:t>‹Nr.›</a:t>
+              <a:t>10</a:t>
             </a:fld>
             <a:endParaRPr lang="de-DE"/>
           </a:p>
@@ -1542,7 +1543,7 @@
           <a:p>
             <a:fld id="{A27C43F3-1DB4-4068-8564-347CC9EC9C36}" type="slidenum">
               <a:rPr lang="de-DE"/>
-              <a:t>‹Nr.›</a:t>
+              <a:t>11</a:t>
             </a:fld>
             <a:endParaRPr lang="de-DE"/>
           </a:p>
@@ -2284,7 +2285,7 @@
             <a:fld id="{B61BEF0D-F0BB-DE4B-95CE-6DB70DBA9567}" type="datetimeFigureOut">
               <a:rPr lang="en-US" dirty="0"/>
               <a:pPr/>
-              <a:t>5/11/2020</a:t>
+              <a:t>5/14/2020</a:t>
             </a:fld>
             <a:endParaRPr lang="en-US" dirty="0"/>
           </a:p>
@@ -2532,7 +2533,7 @@
             <a:fld id="{B61BEF0D-F0BB-DE4B-95CE-6DB70DBA9567}" type="datetimeFigureOut">
               <a:rPr lang="en-US" dirty="0"/>
               <a:pPr/>
-              <a:t>5/11/2020</a:t>
+              <a:t>5/14/2020</a:t>
             </a:fld>
             <a:endParaRPr lang="en-US" dirty="0"/>
           </a:p>
@@ -2843,7 +2844,7 @@
             <a:fld id="{B61BEF0D-F0BB-DE4B-95CE-6DB70DBA9567}" type="datetimeFigureOut">
               <a:rPr lang="en-US" dirty="0"/>
               <a:pPr/>
-              <a:t>5/11/2020</a:t>
+              <a:t>5/14/2020</a:t>
             </a:fld>
             <a:endParaRPr lang="en-US" dirty="0"/>
           </a:p>
@@ -3181,7 +3182,7 @@
             <a:fld id="{B61BEF0D-F0BB-DE4B-95CE-6DB70DBA9567}" type="datetimeFigureOut">
               <a:rPr lang="en-US" dirty="0"/>
               <a:pPr/>
-              <a:t>5/11/2020</a:t>
+              <a:t>5/14/2020</a:t>
             </a:fld>
             <a:endParaRPr lang="en-US" dirty="0"/>
           </a:p>
@@ -3492,7 +3493,7 @@
             <a:fld id="{B61BEF0D-F0BB-DE4B-95CE-6DB70DBA9567}" type="datetimeFigureOut">
               <a:rPr lang="en-US" dirty="0"/>
               <a:pPr/>
-              <a:t>5/11/2020</a:t>
+              <a:t>5/14/2020</a:t>
             </a:fld>
             <a:endParaRPr lang="en-US" dirty="0"/>
           </a:p>
@@ -3882,7 +3883,7 @@
             <a:fld id="{B61BEF0D-F0BB-DE4B-95CE-6DB70DBA9567}" type="datetimeFigureOut">
               <a:rPr lang="en-US" dirty="0"/>
               <a:pPr/>
-              <a:t>5/11/2020</a:t>
+              <a:t>5/14/2020</a:t>
             </a:fld>
             <a:endParaRPr lang="en-US" dirty="0"/>
           </a:p>
@@ -4048,7 +4049,7 @@
           <a:p>
             <a:fld id="{55C6B4A9-1611-4792-9094-5F34BCA07E0B}" type="datetimeFigureOut">
               <a:rPr lang="en-US" dirty="0"/>
-              <a:t>5/11/2020</a:t>
+              <a:t>5/14/2020</a:t>
             </a:fld>
             <a:endParaRPr lang="en-US" dirty="0"/>
           </a:p>
@@ -4224,7 +4225,7 @@
             <a:fld id="{B61BEF0D-F0BB-DE4B-95CE-6DB70DBA9567}" type="datetimeFigureOut">
               <a:rPr lang="en-US" dirty="0"/>
               <a:pPr/>
-              <a:t>5/11/2020</a:t>
+              <a:t>5/14/2020</a:t>
             </a:fld>
             <a:endParaRPr lang="en-US" dirty="0"/>
           </a:p>
@@ -4397,7 +4398,7 @@
             <a:fld id="{B61BEF0D-F0BB-DE4B-95CE-6DB70DBA9567}" type="datetimeFigureOut">
               <a:rPr lang="en-US" dirty="0"/>
               <a:pPr/>
-              <a:t>5/11/2020</a:t>
+              <a:t>5/14/2020</a:t>
             </a:fld>
             <a:endParaRPr lang="en-US" dirty="0"/>
           </a:p>
@@ -4641,7 +4642,7 @@
             <a:fld id="{B61BEF0D-F0BB-DE4B-95CE-6DB70DBA9567}" type="datetimeFigureOut">
               <a:rPr lang="en-US" dirty="0"/>
               <a:pPr/>
-              <a:t>5/11/2020</a:t>
+              <a:t>5/14/2020</a:t>
             </a:fld>
             <a:endParaRPr lang="en-US" dirty="0"/>
           </a:p>
@@ -4869,7 +4870,7 @@
           <a:p>
             <a:fld id="{EB712588-04B1-427B-82EE-E8DB90309F08}" type="datetimeFigureOut">
               <a:rPr lang="en-US" dirty="0"/>
-              <a:t>5/11/2020</a:t>
+              <a:t>5/14/2020</a:t>
             </a:fld>
             <a:endParaRPr lang="en-US" dirty="0"/>
           </a:p>
@@ -5239,7 +5240,7 @@
             <a:fld id="{B61BEF0D-F0BB-DE4B-95CE-6DB70DBA9567}" type="datetimeFigureOut">
               <a:rPr lang="en-US" dirty="0"/>
               <a:pPr/>
-              <a:t>5/11/2020</a:t>
+              <a:t>5/14/2020</a:t>
             </a:fld>
             <a:endParaRPr lang="en-US" dirty="0"/>
           </a:p>
@@ -5359,7 +5360,7 @@
             <a:fld id="{B61BEF0D-F0BB-DE4B-95CE-6DB70DBA9567}" type="datetimeFigureOut">
               <a:rPr lang="en-US" dirty="0"/>
               <a:pPr/>
-              <a:t>5/11/2020</a:t>
+              <a:t>5/14/2020</a:t>
             </a:fld>
             <a:endParaRPr lang="en-US" dirty="0"/>
           </a:p>
@@ -5451,7 +5452,7 @@
             <a:fld id="{B61BEF0D-F0BB-DE4B-95CE-6DB70DBA9567}" type="datetimeFigureOut">
               <a:rPr lang="en-US" dirty="0"/>
               <a:pPr/>
-              <a:t>5/11/2020</a:t>
+              <a:t>5/14/2020</a:t>
             </a:fld>
             <a:endParaRPr lang="en-US" dirty="0"/>
           </a:p>
@@ -5702,7 +5703,7 @@
           <a:p>
             <a:fld id="{42A54C80-263E-416B-A8E0-580EDEADCBDC}" type="datetimeFigureOut">
               <a:rPr lang="en-US" dirty="0"/>
-              <a:t>5/11/2020</a:t>
+              <a:t>5/14/2020</a:t>
             </a:fld>
             <a:endParaRPr lang="en-US" dirty="0"/>
           </a:p>
@@ -5961,7 +5962,7 @@
             <a:fld id="{B61BEF0D-F0BB-DE4B-95CE-6DB70DBA9567}" type="datetimeFigureOut">
               <a:rPr lang="en-US" dirty="0"/>
               <a:pPr/>
-              <a:t>5/11/2020</a:t>
+              <a:t>5/14/2020</a:t>
             </a:fld>
             <a:endParaRPr lang="en-US" dirty="0"/>
           </a:p>
@@ -6701,7 +6702,7 @@
             <a:fld id="{B61BEF0D-F0BB-DE4B-95CE-6DB70DBA9567}" type="datetimeFigureOut">
               <a:rPr lang="en-US" dirty="0"/>
               <a:pPr/>
-              <a:t>5/11/2020</a:t>
+              <a:t>5/14/2020</a:t>
             </a:fld>
             <a:endParaRPr lang="en-US" dirty="0"/>
           </a:p>
@@ -7532,7 +7533,7 @@
             <a:pPr lvl="1"/>
             <a:r>
               <a:rPr lang="de-DE" dirty="0" err="1"/>
-              <a:t>Calculate</a:t>
+              <a:t>Extend</a:t>
             </a:r>
             <a:r>
               <a:rPr lang="de-DE" dirty="0"/>
@@ -7540,7 +7541,7 @@
             </a:r>
             <a:r>
               <a:rPr lang="de-DE" dirty="0" err="1"/>
-              <a:t>dijkstra</a:t>
+              <a:t>edges</a:t>
             </a:r>
             <a:r>
               <a:rPr lang="de-DE" dirty="0"/>
@@ -7548,7 +7549,15 @@
             </a:r>
             <a:r>
               <a:rPr lang="de-DE" dirty="0" err="1"/>
-              <a:t>for</a:t>
+              <a:t>by</a:t>
+            </a:r>
+            <a:r>
+              <a:rPr lang="de-DE" dirty="0"/>
+              <a:t> a </a:t>
+            </a:r>
+            <a:r>
+              <a:rPr lang="de-DE" dirty="0" err="1"/>
+              <a:t>weight</a:t>
             </a:r>
             <a:r>
               <a:rPr lang="de-DE" dirty="0"/>
@@ -7556,7 +7565,7 @@
             </a:r>
             <a:r>
               <a:rPr lang="de-DE" dirty="0" err="1"/>
-              <a:t>each</a:t>
+              <a:t>representing</a:t>
             </a:r>
             <a:r>
               <a:rPr lang="de-DE" dirty="0"/>
@@ -7564,7 +7573,7 @@
             </a:r>
             <a:r>
               <a:rPr lang="de-DE" dirty="0" err="1"/>
-              <a:t>charging</a:t>
+              <a:t>the</a:t>
             </a:r>
             <a:r>
               <a:rPr lang="de-DE" dirty="0"/>
@@ -7572,22 +7581,7 @@
             </a:r>
             <a:r>
               <a:rPr lang="de-DE" dirty="0" err="1"/>
-              <a:t>station</a:t>
-            </a:r>
-            <a:r>
-              <a:rPr lang="de-DE" dirty="0"/>
-              <a:t>     </a:t>
-            </a:r>
-            <a:r>
-              <a:rPr lang="de-DE" dirty="0" err="1"/>
-              <a:t>inefficient</a:t>
-            </a:r>
-          </a:p>
-          <a:p>
-            <a:pPr lvl="1"/>
-            <a:r>
-              <a:rPr lang="de-DE" dirty="0" err="1"/>
-              <a:t>Extend</a:t>
+              <a:t>energy</a:t>
             </a:r>
             <a:r>
               <a:rPr lang="de-DE" dirty="0"/>
@@ -7595,7 +7589,15 @@
             </a:r>
             <a:r>
               <a:rPr lang="de-DE" dirty="0" err="1"/>
-              <a:t>edges</a:t>
+              <a:t>consumption</a:t>
+            </a:r>
+            <a:endParaRPr lang="de-DE" dirty="0"/>
+          </a:p>
+          <a:p>
+            <a:pPr lvl="1"/>
+            <a:r>
+              <a:rPr lang="de-DE" dirty="0" err="1"/>
+              <a:t>Consider</a:t>
             </a:r>
             <a:r>
               <a:rPr lang="de-DE" dirty="0"/>
@@ -7603,15 +7605,7 @@
             </a:r>
             <a:r>
               <a:rPr lang="de-DE" dirty="0" err="1"/>
-              <a:t>by</a:t>
-            </a:r>
-            <a:r>
-              <a:rPr lang="de-DE" dirty="0"/>
-              <a:t> a </a:t>
-            </a:r>
-            <a:r>
-              <a:rPr lang="de-DE" dirty="0" err="1"/>
-              <a:t>weight</a:t>
+              <a:t>elevation</a:t>
             </a:r>
             <a:r>
               <a:rPr lang="de-DE" dirty="0"/>
@@ -7619,7 +7613,7 @@
             </a:r>
             <a:r>
               <a:rPr lang="de-DE" dirty="0" err="1"/>
-              <a:t>representing</a:t>
+              <a:t>profile</a:t>
             </a:r>
             <a:r>
               <a:rPr lang="de-DE" dirty="0"/>
@@ -7627,7 +7621,7 @@
             </a:r>
             <a:r>
               <a:rPr lang="de-DE" dirty="0" err="1"/>
-              <a:t>the</a:t>
+              <a:t>to</a:t>
             </a:r>
             <a:r>
               <a:rPr lang="de-DE" dirty="0"/>
@@ -7635,7 +7629,7 @@
             </a:r>
             <a:r>
               <a:rPr lang="de-DE" dirty="0" err="1"/>
-              <a:t>energy</a:t>
+              <a:t>determine</a:t>
             </a:r>
             <a:r>
               <a:rPr lang="de-DE" dirty="0"/>
@@ -7643,15 +7637,7 @@
             </a:r>
             <a:r>
               <a:rPr lang="de-DE" dirty="0" err="1"/>
-              <a:t>consumption</a:t>
-            </a:r>
-            <a:endParaRPr lang="de-DE" dirty="0"/>
-          </a:p>
-          <a:p>
-            <a:pPr lvl="1"/>
-            <a:r>
-              <a:rPr lang="de-DE" dirty="0" err="1"/>
-              <a:t>Consider</a:t>
+              <a:t>more</a:t>
             </a:r>
             <a:r>
               <a:rPr lang="de-DE" dirty="0"/>
@@ -7659,7 +7645,7 @@
             </a:r>
             <a:r>
               <a:rPr lang="de-DE" dirty="0" err="1"/>
-              <a:t>elevation</a:t>
+              <a:t>energy</a:t>
             </a:r>
             <a:r>
               <a:rPr lang="de-DE" dirty="0"/>
@@ -7667,7 +7653,7 @@
             </a:r>
             <a:r>
               <a:rPr lang="de-DE" dirty="0" err="1"/>
-              <a:t>profile</a:t>
+              <a:t>efficient</a:t>
             </a:r>
             <a:r>
               <a:rPr lang="de-DE" dirty="0"/>
@@ -7675,98 +7661,9 @@
             </a:r>
             <a:r>
               <a:rPr lang="de-DE" dirty="0" err="1"/>
-              <a:t>to</a:t>
-            </a:r>
-            <a:r>
-              <a:rPr lang="de-DE" dirty="0"/>
-              <a:t> </a:t>
-            </a:r>
-            <a:r>
-              <a:rPr lang="de-DE" dirty="0" err="1"/>
-              <a:t>determine</a:t>
-            </a:r>
-            <a:r>
-              <a:rPr lang="de-DE" dirty="0"/>
-              <a:t> </a:t>
-            </a:r>
-            <a:r>
-              <a:rPr lang="de-DE" dirty="0" err="1"/>
-              <a:t>more</a:t>
-            </a:r>
-            <a:r>
-              <a:rPr lang="de-DE" dirty="0"/>
-              <a:t> </a:t>
-            </a:r>
-            <a:r>
-              <a:rPr lang="de-DE" dirty="0" err="1"/>
-              <a:t>energy</a:t>
-            </a:r>
-            <a:r>
-              <a:rPr lang="de-DE" dirty="0"/>
-              <a:t> </a:t>
-            </a:r>
-            <a:r>
-              <a:rPr lang="de-DE" dirty="0" err="1"/>
-              <a:t>efficient</a:t>
-            </a:r>
-            <a:r>
-              <a:rPr lang="de-DE" dirty="0"/>
-              <a:t> </a:t>
-            </a:r>
-            <a:r>
-              <a:rPr lang="de-DE" dirty="0" err="1"/>
               <a:t>routes</a:t>
             </a:r>
             <a:endParaRPr lang="de-DE" dirty="0"/>
-          </a:p>
-        </p:txBody>
-      </p:sp>
-      <p:sp>
-        <p:nvSpPr>
-          <p:cNvPr id="5" name="Pfeil: nach rechts 4">
-            <a:extLst>
-              <a:ext uri="{FF2B5EF4-FFF2-40B4-BE49-F238E27FC236}">
-                <a16:creationId xmlns:a16="http://schemas.microsoft.com/office/drawing/2014/main" id="{0847F258-9B7F-42AC-ADEA-64A93129E6EB}"/>
-              </a:ext>
-            </a:extLst>
-          </p:cNvPr>
-          <p:cNvSpPr/>
-          <p:nvPr/>
-        </p:nvSpPr>
-        <p:spPr>
-          <a:xfrm>
-            <a:off x="5519276" y="2189183"/>
-            <a:ext cx="181335" cy="172442"/>
-          </a:xfrm>
-          <a:prstGeom prst="rightArrow">
-            <a:avLst/>
-          </a:prstGeom>
-          <a:ln>
-            <a:noFill/>
-          </a:ln>
-        </p:spPr>
-        <p:style>
-          <a:lnRef idx="2">
-            <a:schemeClr val="accent1">
-              <a:shade val="50000"/>
-            </a:schemeClr>
-          </a:lnRef>
-          <a:fillRef idx="1">
-            <a:schemeClr val="accent1"/>
-          </a:fillRef>
-          <a:effectRef idx="0">
-            <a:schemeClr val="accent1"/>
-          </a:effectRef>
-          <a:fontRef idx="minor">
-            <a:schemeClr val="lt1"/>
-          </a:fontRef>
-        </p:style>
-        <p:txBody>
-          <a:bodyPr rtlCol="0" anchor="ctr"/>
-          <a:lstStyle/>
-          <a:p>
-            <a:pPr algn="ctr"/>
-            <a:endParaRPr lang="de-DE"/>
           </a:p>
         </p:txBody>
       </p:sp>
@@ -15492,28 +15389,66 @@
           <a:p>
             <a:pPr marL="285750" indent="-285750"/>
             <a:r>
-              <a:rPr lang="de-DE"/>
+              <a:rPr lang="de-DE" dirty="0"/>
               <a:t>CS1:</a:t>
             </a:r>
-            <a:endParaRPr lang="de-DE" dirty="0"/>
           </a:p>
           <a:p>
             <a:pPr lvl="1" indent="-342900">
               <a:buAutoNum type="arabicPeriod"/>
             </a:pPr>
             <a:r>
-              <a:rPr lang="de-DE"/>
-              <a:t>Is in current range: 240 &lt; 250</a:t>
-            </a:r>
-            <a:endParaRPr lang="de-DE" dirty="0"/>
+              <a:rPr lang="de-DE" dirty="0" err="1"/>
+              <a:t>Is</a:t>
+            </a:r>
+            <a:r>
+              <a:rPr lang="de-DE" dirty="0"/>
+              <a:t> in </a:t>
+            </a:r>
+            <a:r>
+              <a:rPr lang="de-DE" dirty="0" err="1"/>
+              <a:t>current</a:t>
+            </a:r>
+            <a:r>
+              <a:rPr lang="de-DE" dirty="0"/>
+              <a:t> </a:t>
+            </a:r>
+            <a:r>
+              <a:rPr lang="de-DE" dirty="0" err="1"/>
+              <a:t>range</a:t>
+            </a:r>
+            <a:r>
+              <a:rPr lang="de-DE" dirty="0"/>
+              <a:t>: 240 &lt; 250</a:t>
+            </a:r>
           </a:p>
           <a:p>
             <a:pPr lvl="1" indent="-342900">
               <a:buAutoNum type="arabicPeriod"/>
             </a:pPr>
             <a:r>
-              <a:rPr lang="de-DE"/>
-              <a:t>Utilizes at least 50% of range: 240 =&gt; 250 * 0.5 </a:t>
+              <a:rPr lang="de-DE" dirty="0" err="1"/>
+              <a:t>Utilizes</a:t>
+            </a:r>
+            <a:r>
+              <a:rPr lang="de-DE" dirty="0"/>
+              <a:t> at least 50% </a:t>
+            </a:r>
+            <a:r>
+              <a:rPr lang="de-DE" dirty="0" err="1"/>
+              <a:t>of</a:t>
+            </a:r>
+            <a:r>
+              <a:rPr lang="de-DE" dirty="0"/>
+              <a:t> </a:t>
+            </a:r>
+            <a:r>
+              <a:rPr lang="de-DE" dirty="0" err="1"/>
+              <a:t>range</a:t>
+            </a:r>
+            <a:r>
+              <a:rPr lang="de-DE" dirty="0"/>
+              <a:t>: 240 =&gt; 250 * 0.5 </a:t>
             </a:r>
           </a:p>
           <a:p>
@@ -15521,15 +15456,122 @@
               <a:buAutoNum type="arabicPeriod"/>
             </a:pPr>
             <a:r>
-              <a:rPr lang="de-DE"/>
-              <a:t>Sum of distances smaller than current best sum: 290 + 240 &lt; MAX, set as currently best charging station </a:t>
-            </a:r>
-            <a:endParaRPr lang="de-DE" dirty="0"/>
+              <a:rPr lang="de-DE" dirty="0" err="1"/>
+              <a:t>Sum</a:t>
+            </a:r>
+            <a:r>
+              <a:rPr lang="de-DE" dirty="0"/>
+              <a:t> </a:t>
+            </a:r>
+            <a:r>
+              <a:rPr lang="de-DE" dirty="0" err="1"/>
+              <a:t>of</a:t>
+            </a:r>
+            <a:r>
+              <a:rPr lang="de-DE" dirty="0"/>
+              <a:t> </a:t>
+            </a:r>
+            <a:r>
+              <a:rPr lang="de-DE" dirty="0" err="1"/>
+              <a:t>distances</a:t>
+            </a:r>
+            <a:r>
+              <a:rPr lang="de-DE" dirty="0"/>
+              <a:t> </a:t>
+            </a:r>
+            <a:r>
+              <a:rPr lang="de-DE" dirty="0" err="1"/>
+              <a:t>smaller</a:t>
+            </a:r>
+            <a:r>
+              <a:rPr lang="de-DE" dirty="0"/>
+              <a:t> </a:t>
+            </a:r>
+            <a:r>
+              <a:rPr lang="de-DE" dirty="0" err="1"/>
+              <a:t>than</a:t>
+            </a:r>
+            <a:r>
+              <a:rPr lang="de-DE" dirty="0"/>
+              <a:t> </a:t>
+            </a:r>
+            <a:r>
+              <a:rPr lang="de-DE" dirty="0" err="1"/>
+              <a:t>current</a:t>
+            </a:r>
+            <a:r>
+              <a:rPr lang="de-DE" dirty="0"/>
+              <a:t> </a:t>
+            </a:r>
+            <a:r>
+              <a:rPr lang="de-DE" dirty="0" err="1"/>
+              <a:t>best</a:t>
+            </a:r>
+            <a:r>
+              <a:rPr lang="de-DE" dirty="0"/>
+              <a:t> </a:t>
+            </a:r>
+            <a:r>
+              <a:rPr lang="de-DE" dirty="0" err="1"/>
+              <a:t>sum</a:t>
+            </a:r>
+            <a:r>
+              <a:rPr lang="de-DE" dirty="0"/>
+              <a:t>: 290 + 240 &lt; MAX, </a:t>
+            </a:r>
+            <a:r>
+              <a:rPr lang="de-DE" dirty="0" err="1"/>
+              <a:t>set</a:t>
+            </a:r>
+            <a:r>
+              <a:rPr lang="de-DE" dirty="0"/>
+              <a:t> </a:t>
+            </a:r>
+            <a:r>
+              <a:rPr lang="de-DE" dirty="0" err="1"/>
+              <a:t>as</a:t>
+            </a:r>
+            <a:r>
+              <a:rPr lang="de-DE" dirty="0"/>
+              <a:t> </a:t>
+            </a:r>
+            <a:r>
+              <a:rPr lang="de-DE" dirty="0" err="1"/>
+              <a:t>currently</a:t>
+            </a:r>
+            <a:r>
+              <a:rPr lang="de-DE" dirty="0"/>
+              <a:t> </a:t>
+            </a:r>
+            <a:r>
+              <a:rPr lang="de-DE" dirty="0" err="1"/>
+              <a:t>best</a:t>
+            </a:r>
+            <a:r>
+              <a:rPr lang="de-DE" dirty="0"/>
+              <a:t> </a:t>
+            </a:r>
+            <a:r>
+              <a:rPr lang="de-DE" dirty="0" err="1"/>
+              <a:t>charging</a:t>
+            </a:r>
+            <a:r>
+              <a:rPr lang="de-DE" dirty="0"/>
+              <a:t> </a:t>
+            </a:r>
+            <a:r>
+              <a:rPr lang="de-DE" dirty="0" err="1"/>
+              <a:t>station</a:t>
+            </a:r>
+            <a:r>
+              <a:rPr lang="de-DE" dirty="0"/>
+              <a:t> </a:t>
+            </a:r>
           </a:p>
           <a:p>
             <a:pPr marL="285750" indent="-285750"/>
             <a:r>
-              <a:rPr lang="de-DE">
+              <a:rPr lang="de-DE" dirty="0">
                 <a:ea typeface="+mn-lt"/>
                 <a:cs typeface="+mn-lt"/>
               </a:rPr>
@@ -15537,58 +15579,269 @@
             </a:r>
           </a:p>
           <a:p>
-            <a:pPr lvl="1" indent="-342900">
-              <a:buFont typeface="Wingdings 3" charset="2"/>
+            <a:pPr marL="800100" lvl="1" indent="-342900">
               <a:buAutoNum type="arabicPeriod"/>
             </a:pPr>
             <a:r>
-              <a:rPr lang="de-DE"/>
-              <a:t>Is not in current range: 320 &lt; 250, go to CS3</a:t>
-            </a:r>
-          </a:p>
-          <a:p>
-            <a:pPr marL="285750" indent="-285750"/>
-            <a:r>
-              <a:rPr lang="de-DE">
+              <a:rPr lang="de-DE" dirty="0" err="1"/>
+              <a:t>Is</a:t>
+            </a:r>
+            <a:r>
+              <a:rPr lang="de-DE" dirty="0"/>
+              <a:t> in </a:t>
+            </a:r>
+            <a:r>
+              <a:rPr lang="de-DE" dirty="0" err="1"/>
+              <a:t>current</a:t>
+            </a:r>
+            <a:r>
+              <a:rPr lang="de-DE" dirty="0"/>
+              <a:t> </a:t>
+            </a:r>
+            <a:r>
+              <a:rPr lang="de-DE" dirty="0" err="1"/>
+              <a:t>range</a:t>
+            </a:r>
+            <a:r>
+              <a:rPr lang="de-DE" dirty="0"/>
+              <a:t>: 180 &lt; 250</a:t>
+            </a:r>
+          </a:p>
+          <a:p>
+            <a:pPr marL="800100" lvl="1" indent="-342900">
+              <a:buAutoNum type="arabicPeriod"/>
+            </a:pPr>
+            <a:r>
+              <a:rPr lang="de-DE" dirty="0" err="1"/>
+              <a:t>Utilizes</a:t>
+            </a:r>
+            <a:r>
+              <a:rPr lang="de-DE" dirty="0"/>
+              <a:t> at least 50% </a:t>
+            </a:r>
+            <a:r>
+              <a:rPr lang="de-DE" dirty="0" err="1"/>
+              <a:t>of</a:t>
+            </a:r>
+            <a:r>
+              <a:rPr lang="de-DE" dirty="0"/>
+              <a:t> </a:t>
+            </a:r>
+            <a:r>
+              <a:rPr lang="de-DE" dirty="0" err="1"/>
+              <a:t>range</a:t>
+            </a:r>
+            <a:r>
+              <a:rPr lang="de-DE" dirty="0"/>
+              <a:t>: 180 =&gt; 250*0.5 </a:t>
+            </a:r>
+          </a:p>
+          <a:p>
+            <a:pPr marL="800100" lvl="1" indent="-342900">
+              <a:buAutoNum type="arabicPeriod"/>
+            </a:pPr>
+            <a:r>
+              <a:rPr lang="de-DE" dirty="0" err="1"/>
+              <a:t>Sum</a:t>
+            </a:r>
+            <a:r>
+              <a:rPr lang="de-DE" dirty="0"/>
+              <a:t> </a:t>
+            </a:r>
+            <a:r>
+              <a:rPr lang="de-DE" dirty="0" err="1"/>
+              <a:t>of</a:t>
+            </a:r>
+            <a:r>
+              <a:rPr lang="de-DE" dirty="0"/>
+              <a:t> </a:t>
+            </a:r>
+            <a:r>
+              <a:rPr lang="de-DE" dirty="0" err="1"/>
+              <a:t>distances</a:t>
+            </a:r>
+            <a:r>
+              <a:rPr lang="de-DE" dirty="0"/>
+              <a:t> </a:t>
+            </a:r>
+            <a:r>
+              <a:rPr lang="de-DE" dirty="0" err="1"/>
+              <a:t>smaller</a:t>
+            </a:r>
+            <a:r>
+              <a:rPr lang="de-DE" dirty="0"/>
+              <a:t> </a:t>
+            </a:r>
+            <a:r>
+              <a:rPr lang="de-DE" dirty="0" err="1"/>
+              <a:t>than</a:t>
+            </a:r>
+            <a:r>
+              <a:rPr lang="de-DE" dirty="0"/>
+              <a:t> </a:t>
+            </a:r>
+            <a:r>
+              <a:rPr lang="de-DE" dirty="0" err="1"/>
+              <a:t>current</a:t>
+            </a:r>
+            <a:r>
+              <a:rPr lang="de-DE" dirty="0"/>
+              <a:t> </a:t>
+            </a:r>
+            <a:r>
+              <a:rPr lang="de-DE" dirty="0" err="1"/>
+              <a:t>best</a:t>
+            </a:r>
+            <a:r>
+              <a:rPr lang="de-DE" dirty="0"/>
+              <a:t> </a:t>
+            </a:r>
+            <a:r>
+              <a:rPr lang="de-DE" dirty="0" err="1"/>
+              <a:t>sum</a:t>
+            </a:r>
+            <a:r>
+              <a:rPr lang="de-DE" dirty="0"/>
+              <a:t>: 180 + 340 &lt; 530, </a:t>
+            </a:r>
+            <a:r>
+              <a:rPr lang="de-DE" dirty="0" err="1"/>
+              <a:t>set</a:t>
+            </a:r>
+            <a:r>
+              <a:rPr lang="de-DE" dirty="0"/>
+              <a:t> </a:t>
+            </a:r>
+            <a:r>
+              <a:rPr lang="de-DE" dirty="0" err="1"/>
+              <a:t>as</a:t>
+            </a:r>
+            <a:r>
+              <a:rPr lang="de-DE" dirty="0"/>
+              <a:t> </a:t>
+            </a:r>
+            <a:r>
+              <a:rPr lang="de-DE" dirty="0" err="1"/>
+              <a:t>currently</a:t>
+            </a:r>
+            <a:r>
+              <a:rPr lang="de-DE" dirty="0"/>
+              <a:t> </a:t>
+            </a:r>
+            <a:r>
+              <a:rPr lang="de-DE" dirty="0" err="1"/>
+              <a:t>best</a:t>
+            </a:r>
+            <a:r>
+              <a:rPr lang="de-DE" dirty="0"/>
+              <a:t> </a:t>
+            </a:r>
+            <a:r>
+              <a:rPr lang="de-DE" dirty="0" err="1"/>
+              <a:t>charging</a:t>
+            </a:r>
+            <a:r>
+              <a:rPr lang="de-DE" dirty="0"/>
+              <a:t> </a:t>
+            </a:r>
+            <a:r>
+              <a:rPr lang="de-DE" dirty="0" err="1"/>
+              <a:t>station</a:t>
+            </a:r>
+            <a:r>
+              <a:rPr lang="de-DE" dirty="0"/>
+              <a:t> </a:t>
+            </a:r>
+          </a:p>
+          <a:p>
+            <a:pPr marL="285750" indent="-285750">
+              <a:buFont typeface="Wingdings 3" charset="2"/>
+              <a:buChar char=""/>
+            </a:pPr>
+            <a:r>
+              <a:rPr lang="de-DE" dirty="0"/>
+              <a:t>CS3:</a:t>
+            </a:r>
+            <a:endParaRPr lang="en-US">
+              <a:ea typeface="+mn-lt"/>
+              <a:cs typeface="+mn-lt"/>
+            </a:endParaRPr>
+          </a:p>
+          <a:p>
+            <a:pPr marL="800100" lvl="1">
+              <a:buAutoNum type="arabicPeriod"/>
+            </a:pPr>
+            <a:r>
+              <a:rPr lang="de-DE" dirty="0" err="1">
                 <a:ea typeface="+mn-lt"/>
                 <a:cs typeface="+mn-lt"/>
               </a:rPr>
-              <a:t>CS3:</a:t>
-            </a:r>
-          </a:p>
-          <a:p>
-            <a:pPr marL="800100" lvl="1" indent="-342900">
-              <a:buAutoNum type="arabicPeriod"/>
-            </a:pPr>
-            <a:r>
-              <a:rPr lang="de-DE"/>
-              <a:t>Is in current range: 180 &lt; 250</a:t>
-            </a:r>
-          </a:p>
-          <a:p>
-            <a:pPr marL="800100" lvl="1" indent="-342900">
-              <a:buAutoNum type="arabicPeriod"/>
-            </a:pPr>
-            <a:r>
-              <a:rPr lang="de-DE"/>
-              <a:t>Utilizes at least 50% of range: 180 =&gt; 250*0.5 </a:t>
-            </a:r>
-          </a:p>
-          <a:p>
-            <a:pPr marL="800100" lvl="1" indent="-342900">
-              <a:buAutoNum type="arabicPeriod"/>
-            </a:pPr>
-            <a:r>
-              <a:rPr lang="de-DE"/>
-              <a:t>Sum of distances smaller than current best sum: 180 + 340 &lt; 530, set as currently best charging station </a:t>
-            </a:r>
-          </a:p>
-          <a:p>
-            <a:pPr>
-              <a:buFont typeface="Wingdings 3" charset="2"/>
-              <a:buAutoNum type="arabicPeriod"/>
-            </a:pPr>
-            <a:endParaRPr lang="de-DE" dirty="0"/>
+              <a:t>Is</a:t>
+            </a:r>
+            <a:r>
+              <a:rPr lang="de-DE" dirty="0">
+                <a:ea typeface="+mn-lt"/>
+                <a:cs typeface="+mn-lt"/>
+              </a:rPr>
+              <a:t> not in </a:t>
+            </a:r>
+            <a:r>
+              <a:rPr lang="de-DE" dirty="0" err="1">
+                <a:ea typeface="+mn-lt"/>
+                <a:cs typeface="+mn-lt"/>
+              </a:rPr>
+              <a:t>current</a:t>
+            </a:r>
+            <a:r>
+              <a:rPr lang="de-DE" dirty="0">
+                <a:ea typeface="+mn-lt"/>
+                <a:cs typeface="+mn-lt"/>
+              </a:rPr>
+              <a:t> </a:t>
+            </a:r>
+            <a:r>
+              <a:rPr lang="de-DE" dirty="0" err="1">
+                <a:ea typeface="+mn-lt"/>
+                <a:cs typeface="+mn-lt"/>
+              </a:rPr>
+              <a:t>range</a:t>
+            </a:r>
+            <a:r>
+              <a:rPr lang="de-DE" dirty="0">
+                <a:ea typeface="+mn-lt"/>
+                <a:cs typeface="+mn-lt"/>
+              </a:rPr>
+              <a:t>: 320 &lt; 250, </a:t>
+            </a:r>
+            <a:r>
+              <a:rPr lang="de-DE" dirty="0" err="1">
+                <a:ea typeface="+mn-lt"/>
+                <a:cs typeface="+mn-lt"/>
+              </a:rPr>
+              <a:t>go</a:t>
+            </a:r>
+            <a:r>
+              <a:rPr lang="de-DE" dirty="0">
+                <a:ea typeface="+mn-lt"/>
+                <a:cs typeface="+mn-lt"/>
+              </a:rPr>
+              <a:t> </a:t>
+            </a:r>
+            <a:r>
+              <a:rPr lang="de-DE" dirty="0" err="1">
+                <a:ea typeface="+mn-lt"/>
+                <a:cs typeface="+mn-lt"/>
+              </a:rPr>
+              <a:t>to</a:t>
+            </a:r>
+            <a:r>
+              <a:rPr lang="de-DE" dirty="0">
+                <a:ea typeface="+mn-lt"/>
+                <a:cs typeface="+mn-lt"/>
+              </a:rPr>
+              <a:t> CS3</a:t>
+            </a:r>
+            <a:endParaRPr lang="de-DE"/>
           </a:p>
         </p:txBody>
       </p:sp>
@@ -15826,33 +16079,15 @@
                                   </p:childTnLst>
                                 </p:cTn>
                               </p:par>
-                            </p:childTnLst>
-                          </p:cTn>
-                        </p:par>
-                      </p:childTnLst>
-                    </p:cTn>
-                  </p:par>
-                  <p:par>
-                    <p:cTn id="19" fill="hold">
-                      <p:stCondLst>
-                        <p:cond delay="indefinite"/>
-                      </p:stCondLst>
-                      <p:childTnLst>
-                        <p:par>
-                          <p:cTn id="20" fill="hold">
-                            <p:stCondLst>
-                              <p:cond delay="0"/>
-                            </p:stCondLst>
-                            <p:childTnLst>
                               <p:par>
-                                <p:cTn id="21" presetID="1" presetClass="entr" presetSubtype="0" fill="hold" grpId="0" nodeType="clickEffect">
+                                <p:cTn id="19" presetID="1" presetClass="entr" presetSubtype="0" fill="hold" grpId="0" nodeType="withEffect">
                                   <p:stCondLst>
                                     <p:cond delay="0"/>
                                   </p:stCondLst>
                                   <p:childTnLst>
                                     <p:set>
                                       <p:cBhvr>
-                                        <p:cTn id="22" dur="1" fill="hold">
+                                        <p:cTn id="20" dur="1" fill="hold">
                                           <p:stCondLst>
                                             <p:cond delay="0"/>
                                           </p:stCondLst>
@@ -15876,14 +16111,14 @@
                                 </p:cTn>
                               </p:par>
                               <p:par>
-                                <p:cTn id="23" presetID="1" presetClass="entr" presetSubtype="0" fill="hold" grpId="0" nodeType="withEffect">
+                                <p:cTn id="21" presetID="1" presetClass="entr" presetSubtype="0" fill="hold" grpId="0" nodeType="withEffect">
                                   <p:stCondLst>
                                     <p:cond delay="0"/>
                                   </p:stCondLst>
                                   <p:childTnLst>
                                     <p:set>
                                       <p:cBhvr>
-                                        <p:cTn id="24" dur="1" fill="hold">
+                                        <p:cTn id="22" dur="1" fill="hold">
                                           <p:stCondLst>
                                             <p:cond delay="0"/>
                                           </p:stCondLst>
@@ -15906,8 +16141,26 @@
                                   </p:childTnLst>
                                 </p:cTn>
                               </p:par>
+                            </p:childTnLst>
+                          </p:cTn>
+                        </p:par>
+                      </p:childTnLst>
+                    </p:cTn>
+                  </p:par>
+                  <p:par>
+                    <p:cTn id="23" fill="hold">
+                      <p:stCondLst>
+                        <p:cond delay="indefinite"/>
+                      </p:stCondLst>
+                      <p:childTnLst>
+                        <p:par>
+                          <p:cTn id="24" fill="hold">
+                            <p:stCondLst>
+                              <p:cond delay="0"/>
+                            </p:stCondLst>
+                            <p:childTnLst>
                               <p:par>
-                                <p:cTn id="25" presetID="1" presetClass="entr" presetSubtype="0" fill="hold" grpId="0" nodeType="withEffect">
+                                <p:cTn id="25" presetID="1" presetClass="entr" presetSubtype="0" fill="hold" grpId="0" nodeType="clickEffect">
                                   <p:stCondLst>
                                     <p:cond delay="0"/>
                                   </p:stCondLst>

--- a/doc/presentation/fapra.pptx
+++ b/doc/presentation/fapra.pptx
@@ -132,6 +132,7 @@
     <p1510:client id="{0F430CE2-65F0-4733-A6E5-7DA549A3BA82}" v="23" dt="2020-05-14T08:16:07.696"/>
     <p1510:client id="{23544110-F4AE-46A7-82EB-1E154C99DA9F}" v="2147" dt="2020-03-23T12:36:19.790"/>
     <p1510:client id="{72646C4B-83F2-4D69-9FCE-049756CA8230}" v="2815" dt="2020-05-11T10:24:04.029"/>
+    <p1510:client id="{CEAE75F7-D847-4C83-81C1-EACC44807F52}" v="24" dt="2020-05-15T12:59:02.511"/>
   </p1510:revLst>
 </p1510:revInfo>
 </file>
@@ -218,7 +219,7 @@
           <a:p>
             <a:fld id="{491C0F4F-F513-4628-89F5-58A683EFFD09}" type="datetimeFigureOut">
               <a:rPr lang="de-DE"/>
-              <a:t>14.05.2020</a:t>
+              <a:t>15.05.2020</a:t>
             </a:fld>
             <a:endParaRPr lang="de-DE"/>
           </a:p>
@@ -2285,7 +2286,7 @@
             <a:fld id="{B61BEF0D-F0BB-DE4B-95CE-6DB70DBA9567}" type="datetimeFigureOut">
               <a:rPr lang="en-US" dirty="0"/>
               <a:pPr/>
-              <a:t>5/14/2020</a:t>
+              <a:t>5/15/2020</a:t>
             </a:fld>
             <a:endParaRPr lang="en-US" dirty="0"/>
           </a:p>
@@ -2533,7 +2534,7 @@
             <a:fld id="{B61BEF0D-F0BB-DE4B-95CE-6DB70DBA9567}" type="datetimeFigureOut">
               <a:rPr lang="en-US" dirty="0"/>
               <a:pPr/>
-              <a:t>5/14/2020</a:t>
+              <a:t>5/15/2020</a:t>
             </a:fld>
             <a:endParaRPr lang="en-US" dirty="0"/>
           </a:p>
@@ -2844,7 +2845,7 @@
             <a:fld id="{B61BEF0D-F0BB-DE4B-95CE-6DB70DBA9567}" type="datetimeFigureOut">
               <a:rPr lang="en-US" dirty="0"/>
               <a:pPr/>
-              <a:t>5/14/2020</a:t>
+              <a:t>5/15/2020</a:t>
             </a:fld>
             <a:endParaRPr lang="en-US" dirty="0"/>
           </a:p>
@@ -3182,7 +3183,7 @@
             <a:fld id="{B61BEF0D-F0BB-DE4B-95CE-6DB70DBA9567}" type="datetimeFigureOut">
               <a:rPr lang="en-US" dirty="0"/>
               <a:pPr/>
-              <a:t>5/14/2020</a:t>
+              <a:t>5/15/2020</a:t>
             </a:fld>
             <a:endParaRPr lang="en-US" dirty="0"/>
           </a:p>
@@ -3493,7 +3494,7 @@
             <a:fld id="{B61BEF0D-F0BB-DE4B-95CE-6DB70DBA9567}" type="datetimeFigureOut">
               <a:rPr lang="en-US" dirty="0"/>
               <a:pPr/>
-              <a:t>5/14/2020</a:t>
+              <a:t>5/15/2020</a:t>
             </a:fld>
             <a:endParaRPr lang="en-US" dirty="0"/>
           </a:p>
@@ -3883,7 +3884,7 @@
             <a:fld id="{B61BEF0D-F0BB-DE4B-95CE-6DB70DBA9567}" type="datetimeFigureOut">
               <a:rPr lang="en-US" dirty="0"/>
               <a:pPr/>
-              <a:t>5/14/2020</a:t>
+              <a:t>5/15/2020</a:t>
             </a:fld>
             <a:endParaRPr lang="en-US" dirty="0"/>
           </a:p>
@@ -4049,7 +4050,7 @@
           <a:p>
             <a:fld id="{55C6B4A9-1611-4792-9094-5F34BCA07E0B}" type="datetimeFigureOut">
               <a:rPr lang="en-US" dirty="0"/>
-              <a:t>5/14/2020</a:t>
+              <a:t>5/15/2020</a:t>
             </a:fld>
             <a:endParaRPr lang="en-US" dirty="0"/>
           </a:p>
@@ -4225,7 +4226,7 @@
             <a:fld id="{B61BEF0D-F0BB-DE4B-95CE-6DB70DBA9567}" type="datetimeFigureOut">
               <a:rPr lang="en-US" dirty="0"/>
               <a:pPr/>
-              <a:t>5/14/2020</a:t>
+              <a:t>5/15/2020</a:t>
             </a:fld>
             <a:endParaRPr lang="en-US" dirty="0"/>
           </a:p>
@@ -4398,7 +4399,7 @@
             <a:fld id="{B61BEF0D-F0BB-DE4B-95CE-6DB70DBA9567}" type="datetimeFigureOut">
               <a:rPr lang="en-US" dirty="0"/>
               <a:pPr/>
-              <a:t>5/14/2020</a:t>
+              <a:t>5/15/2020</a:t>
             </a:fld>
             <a:endParaRPr lang="en-US" dirty="0"/>
           </a:p>
@@ -4642,7 +4643,7 @@
             <a:fld id="{B61BEF0D-F0BB-DE4B-95CE-6DB70DBA9567}" type="datetimeFigureOut">
               <a:rPr lang="en-US" dirty="0"/>
               <a:pPr/>
-              <a:t>5/14/2020</a:t>
+              <a:t>5/15/2020</a:t>
             </a:fld>
             <a:endParaRPr lang="en-US" dirty="0"/>
           </a:p>
@@ -4870,7 +4871,7 @@
           <a:p>
             <a:fld id="{EB712588-04B1-427B-82EE-E8DB90309F08}" type="datetimeFigureOut">
               <a:rPr lang="en-US" dirty="0"/>
-              <a:t>5/14/2020</a:t>
+              <a:t>5/15/2020</a:t>
             </a:fld>
             <a:endParaRPr lang="en-US" dirty="0"/>
           </a:p>
@@ -5240,7 +5241,7 @@
             <a:fld id="{B61BEF0D-F0BB-DE4B-95CE-6DB70DBA9567}" type="datetimeFigureOut">
               <a:rPr lang="en-US" dirty="0"/>
               <a:pPr/>
-              <a:t>5/14/2020</a:t>
+              <a:t>5/15/2020</a:t>
             </a:fld>
             <a:endParaRPr lang="en-US" dirty="0"/>
           </a:p>
@@ -5360,7 +5361,7 @@
             <a:fld id="{B61BEF0D-F0BB-DE4B-95CE-6DB70DBA9567}" type="datetimeFigureOut">
               <a:rPr lang="en-US" dirty="0"/>
               <a:pPr/>
-              <a:t>5/14/2020</a:t>
+              <a:t>5/15/2020</a:t>
             </a:fld>
             <a:endParaRPr lang="en-US" dirty="0"/>
           </a:p>
@@ -5452,7 +5453,7 @@
             <a:fld id="{B61BEF0D-F0BB-DE4B-95CE-6DB70DBA9567}" type="datetimeFigureOut">
               <a:rPr lang="en-US" dirty="0"/>
               <a:pPr/>
-              <a:t>5/14/2020</a:t>
+              <a:t>5/15/2020</a:t>
             </a:fld>
             <a:endParaRPr lang="en-US" dirty="0"/>
           </a:p>
@@ -5703,7 +5704,7 @@
           <a:p>
             <a:fld id="{42A54C80-263E-416B-A8E0-580EDEADCBDC}" type="datetimeFigureOut">
               <a:rPr lang="en-US" dirty="0"/>
-              <a:t>5/14/2020</a:t>
+              <a:t>5/15/2020</a:t>
             </a:fld>
             <a:endParaRPr lang="en-US" dirty="0"/>
           </a:p>
@@ -5962,7 +5963,7 @@
             <a:fld id="{B61BEF0D-F0BB-DE4B-95CE-6DB70DBA9567}" type="datetimeFigureOut">
               <a:rPr lang="en-US" dirty="0"/>
               <a:pPr/>
-              <a:t>5/14/2020</a:t>
+              <a:t>5/15/2020</a:t>
             </a:fld>
             <a:endParaRPr lang="en-US" dirty="0"/>
           </a:p>
@@ -6702,7 +6703,7 @@
             <a:fld id="{B61BEF0D-F0BB-DE4B-95CE-6DB70DBA9567}" type="datetimeFigureOut">
               <a:rPr lang="en-US" dirty="0"/>
               <a:pPr/>
-              <a:t>5/14/2020</a:t>
+              <a:t>5/15/2020</a:t>
             </a:fld>
             <a:endParaRPr lang="en-US" dirty="0"/>
           </a:p>
@@ -14147,35 +14148,6 @@
           </a:p>
         </p:txBody>
       </p:sp>
-      <p:pic>
-        <p:nvPicPr>
-          <p:cNvPr id="8" name="Grafik 24" descr="Ein Bild, das Text, Karte enthält.&#10;&#10;Mit sehr hoher Zuverlässigkeit generierte Beschreibung">
-            <a:extLst>
-              <a:ext uri="{FF2B5EF4-FFF2-40B4-BE49-F238E27FC236}">
-                <a16:creationId xmlns:a16="http://schemas.microsoft.com/office/drawing/2014/main" id="{C41EA0C4-0285-4295-86BC-892E92EFA542}"/>
-              </a:ext>
-            </a:extLst>
-          </p:cNvPr>
-          <p:cNvPicPr>
-            <a:picLocks noGrp="1" noChangeAspect="1"/>
-          </p:cNvPicPr>
-          <p:nvPr>
-            <p:ph idx="1"/>
-          </p:nvPr>
-        </p:nvPicPr>
-        <p:blipFill>
-          <a:blip r:embed="rId3"/>
-          <a:stretch>
-            <a:fillRect/>
-          </a:stretch>
-        </p:blipFill>
-        <p:spPr>
-          <a:xfrm>
-            <a:off x="349692" y="1273485"/>
-            <a:ext cx="3428906" cy="4881608"/>
-          </a:xfrm>
-        </p:spPr>
-      </p:pic>
       <p:sp>
         <p:nvSpPr>
           <p:cNvPr id="30" name="Inhaltsplatzhalter 2">
@@ -14192,7 +14164,7 @@
         </p:nvSpPr>
         <p:spPr>
           <a:xfrm>
-            <a:off x="3781410" y="1376719"/>
+            <a:off x="679748" y="1365987"/>
             <a:ext cx="6152234" cy="4865023"/>
           </a:xfrm>
           <a:prstGeom prst="rect">
@@ -15063,35 +15035,6 @@
           <a:chExt cx="0" cy="0"/>
         </a:xfrm>
       </p:grpSpPr>
-      <p:pic>
-        <p:nvPicPr>
-          <p:cNvPr id="8" name="Grafik 24" descr="Ein Bild, das Text, Karte enthält.&#10;&#10;Mit sehr hoher Zuverlässigkeit generierte Beschreibung">
-            <a:extLst>
-              <a:ext uri="{FF2B5EF4-FFF2-40B4-BE49-F238E27FC236}">
-                <a16:creationId xmlns:a16="http://schemas.microsoft.com/office/drawing/2014/main" id="{C41EA0C4-0285-4295-86BC-892E92EFA542}"/>
-              </a:ext>
-            </a:extLst>
-          </p:cNvPr>
-          <p:cNvPicPr>
-            <a:picLocks noGrp="1" noChangeAspect="1"/>
-          </p:cNvPicPr>
-          <p:nvPr>
-            <p:ph idx="1"/>
-          </p:nvPr>
-        </p:nvPicPr>
-        <p:blipFill>
-          <a:blip r:embed="rId3"/>
-          <a:stretch>
-            <a:fillRect/>
-          </a:stretch>
-        </p:blipFill>
-        <p:spPr>
-          <a:xfrm>
-            <a:off x="286192" y="1104151"/>
-            <a:ext cx="3312490" cy="4712275"/>
-          </a:xfrm>
-        </p:spPr>
-      </p:pic>
       <p:sp>
         <p:nvSpPr>
           <p:cNvPr id="2" name="Titel 1">
@@ -15148,7 +15091,7 @@
         </p:nvSpPr>
         <p:spPr>
           <a:xfrm>
-            <a:off x="3442744" y="1228553"/>
+            <a:off x="3474941" y="1475398"/>
             <a:ext cx="6543817" cy="4865023"/>
           </a:xfrm>
           <a:prstGeom prst="rect">
@@ -15569,7 +15512,9 @@
             </a:r>
           </a:p>
           <a:p>
-            <a:pPr marL="285750" indent="-285750"/>
+            <a:pPr marL="285750" indent="-285750">
+              <a:buFont typeface="'Wingdings 3',Sans-Serif" charset="2"/>
+            </a:pPr>
             <a:r>
               <a:rPr lang="de-DE" dirty="0">
                 <a:ea typeface="+mn-lt"/>
@@ -15577,198 +15522,13 @@
               </a:rPr>
               <a:t>CS2:</a:t>
             </a:r>
-          </a:p>
-          <a:p>
-            <a:pPr marL="800100" lvl="1" indent="-342900">
-              <a:buAutoNum type="arabicPeriod"/>
-            </a:pPr>
-            <a:r>
-              <a:rPr lang="de-DE" dirty="0" err="1"/>
-              <a:t>Is</a:t>
-            </a:r>
-            <a:r>
-              <a:rPr lang="de-DE" dirty="0"/>
-              <a:t> in </a:t>
-            </a:r>
-            <a:r>
-              <a:rPr lang="de-DE" dirty="0" err="1"/>
-              <a:t>current</a:t>
-            </a:r>
-            <a:r>
-              <a:rPr lang="de-DE" dirty="0"/>
-              <a:t> </a:t>
-            </a:r>
-            <a:r>
-              <a:rPr lang="de-DE" dirty="0" err="1"/>
-              <a:t>range</a:t>
-            </a:r>
-            <a:r>
-              <a:rPr lang="de-DE" dirty="0"/>
-              <a:t>: 180 &lt; 250</a:t>
-            </a:r>
-          </a:p>
-          <a:p>
-            <a:pPr marL="800100" lvl="1" indent="-342900">
-              <a:buAutoNum type="arabicPeriod"/>
-            </a:pPr>
-            <a:r>
-              <a:rPr lang="de-DE" dirty="0" err="1"/>
-              <a:t>Utilizes</a:t>
-            </a:r>
-            <a:r>
-              <a:rPr lang="de-DE" dirty="0"/>
-              <a:t> at least 50% </a:t>
-            </a:r>
-            <a:r>
-              <a:rPr lang="de-DE" dirty="0" err="1"/>
-              <a:t>of</a:t>
-            </a:r>
-            <a:r>
-              <a:rPr lang="de-DE" dirty="0"/>
-              <a:t> </a:t>
-            </a:r>
-            <a:r>
-              <a:rPr lang="de-DE" dirty="0" err="1"/>
-              <a:t>range</a:t>
-            </a:r>
-            <a:r>
-              <a:rPr lang="de-DE" dirty="0"/>
-              <a:t>: 180 =&gt; 250*0.5 </a:t>
-            </a:r>
-          </a:p>
-          <a:p>
-            <a:pPr marL="800100" lvl="1" indent="-342900">
-              <a:buAutoNum type="arabicPeriod"/>
-            </a:pPr>
-            <a:r>
-              <a:rPr lang="de-DE" dirty="0" err="1"/>
-              <a:t>Sum</a:t>
-            </a:r>
-            <a:r>
-              <a:rPr lang="de-DE" dirty="0"/>
-              <a:t> </a:t>
-            </a:r>
-            <a:r>
-              <a:rPr lang="de-DE" dirty="0" err="1"/>
-              <a:t>of</a:t>
-            </a:r>
-            <a:r>
-              <a:rPr lang="de-DE" dirty="0"/>
-              <a:t> </a:t>
-            </a:r>
-            <a:r>
-              <a:rPr lang="de-DE" dirty="0" err="1"/>
-              <a:t>distances</a:t>
-            </a:r>
-            <a:r>
-              <a:rPr lang="de-DE" dirty="0"/>
-              <a:t> </a:t>
-            </a:r>
-            <a:r>
-              <a:rPr lang="de-DE" dirty="0" err="1"/>
-              <a:t>smaller</a:t>
-            </a:r>
-            <a:r>
-              <a:rPr lang="de-DE" dirty="0"/>
-              <a:t> </a:t>
-            </a:r>
-            <a:r>
-              <a:rPr lang="de-DE" dirty="0" err="1"/>
-              <a:t>than</a:t>
-            </a:r>
-            <a:r>
-              <a:rPr lang="de-DE" dirty="0"/>
-              <a:t> </a:t>
-            </a:r>
-            <a:r>
-              <a:rPr lang="de-DE" dirty="0" err="1"/>
-              <a:t>current</a:t>
-            </a:r>
-            <a:r>
-              <a:rPr lang="de-DE" dirty="0"/>
-              <a:t> </a:t>
-            </a:r>
-            <a:r>
-              <a:rPr lang="de-DE" dirty="0" err="1"/>
-              <a:t>best</a:t>
-            </a:r>
-            <a:r>
-              <a:rPr lang="de-DE" dirty="0"/>
-              <a:t> </a:t>
-            </a:r>
-            <a:r>
-              <a:rPr lang="de-DE" dirty="0" err="1"/>
-              <a:t>sum</a:t>
-            </a:r>
-            <a:r>
-              <a:rPr lang="de-DE" dirty="0"/>
-              <a:t>: 180 + 340 &lt; 530, </a:t>
-            </a:r>
-            <a:r>
-              <a:rPr lang="de-DE" dirty="0" err="1"/>
-              <a:t>set</a:t>
-            </a:r>
-            <a:r>
-              <a:rPr lang="de-DE" dirty="0"/>
-              <a:t> </a:t>
-            </a:r>
-            <a:r>
-              <a:rPr lang="de-DE" dirty="0" err="1"/>
-              <a:t>as</a:t>
-            </a:r>
-            <a:r>
-              <a:rPr lang="de-DE" dirty="0"/>
-              <a:t> </a:t>
-            </a:r>
-            <a:r>
-              <a:rPr lang="de-DE" dirty="0" err="1"/>
-              <a:t>currently</a:t>
-            </a:r>
-            <a:r>
-              <a:rPr lang="de-DE" dirty="0"/>
-              <a:t> </a:t>
-            </a:r>
-            <a:r>
-              <a:rPr lang="de-DE" dirty="0" err="1"/>
-              <a:t>best</a:t>
-            </a:r>
-            <a:r>
-              <a:rPr lang="de-DE" dirty="0"/>
-              <a:t> </a:t>
-            </a:r>
-            <a:r>
-              <a:rPr lang="de-DE" dirty="0" err="1"/>
-              <a:t>charging</a:t>
-            </a:r>
-            <a:r>
-              <a:rPr lang="de-DE" dirty="0"/>
-              <a:t> </a:t>
-            </a:r>
-            <a:r>
-              <a:rPr lang="de-DE" dirty="0" err="1"/>
-              <a:t>station</a:t>
-            </a:r>
-            <a:r>
-              <a:rPr lang="de-DE" dirty="0"/>
-              <a:t> </a:t>
-            </a:r>
-          </a:p>
-          <a:p>
-            <a:pPr marL="285750" indent="-285750">
-              <a:buFont typeface="Wingdings 3" charset="2"/>
-              <a:buChar char=""/>
-            </a:pPr>
-            <a:r>
-              <a:rPr lang="de-DE" dirty="0"/>
-              <a:t>CS3:</a:t>
-            </a:r>
-            <a:endParaRPr lang="en-US">
+            <a:endParaRPr lang="en-US" dirty="0">
               <a:ea typeface="+mn-lt"/>
               <a:cs typeface="+mn-lt"/>
             </a:endParaRPr>
           </a:p>
           <a:p>
-            <a:pPr marL="800100" lvl="1">
+            <a:pPr marL="800100" lvl="1" indent="-342900">
               <a:buAutoNum type="arabicPeriod"/>
             </a:pPr>
             <a:r>
@@ -15841,10 +15601,233 @@
               </a:rPr>
               <a:t> CS3</a:t>
             </a:r>
-            <a:endParaRPr lang="de-DE"/>
+            <a:endParaRPr lang="de-DE" dirty="0"/>
+          </a:p>
+          <a:p>
+            <a:pPr marL="285750" indent="-285750"/>
+            <a:r>
+              <a:rPr lang="de-DE" dirty="0">
+                <a:ea typeface="+mn-lt"/>
+                <a:cs typeface="+mn-lt"/>
+              </a:rPr>
+              <a:t>CS3:</a:t>
+            </a:r>
+            <a:endParaRPr lang="de-DE" dirty="0"/>
+          </a:p>
+          <a:p>
+            <a:pPr marL="800100" lvl="1" indent="-342900">
+              <a:buAutoNum type="arabicPeriod"/>
+            </a:pPr>
+            <a:r>
+              <a:rPr lang="de-DE" dirty="0" err="1"/>
+              <a:t>Is</a:t>
+            </a:r>
+            <a:r>
+              <a:rPr lang="de-DE" dirty="0"/>
+              <a:t> in </a:t>
+            </a:r>
+            <a:r>
+              <a:rPr lang="de-DE" dirty="0" err="1"/>
+              <a:t>current</a:t>
+            </a:r>
+            <a:r>
+              <a:rPr lang="de-DE" dirty="0"/>
+              <a:t> </a:t>
+            </a:r>
+            <a:r>
+              <a:rPr lang="de-DE" dirty="0" err="1"/>
+              <a:t>range</a:t>
+            </a:r>
+            <a:r>
+              <a:rPr lang="de-DE" dirty="0"/>
+              <a:t>: 180 &lt; 250</a:t>
+            </a:r>
+          </a:p>
+          <a:p>
+            <a:pPr marL="800100" lvl="1" indent="-342900">
+              <a:buAutoNum type="arabicPeriod"/>
+            </a:pPr>
+            <a:r>
+              <a:rPr lang="de-DE" dirty="0" err="1"/>
+              <a:t>Utilizes</a:t>
+            </a:r>
+            <a:r>
+              <a:rPr lang="de-DE" dirty="0"/>
+              <a:t> at least 50% </a:t>
+            </a:r>
+            <a:r>
+              <a:rPr lang="de-DE" dirty="0" err="1"/>
+              <a:t>of</a:t>
+            </a:r>
+            <a:r>
+              <a:rPr lang="de-DE" dirty="0"/>
+              <a:t> </a:t>
+            </a:r>
+            <a:r>
+              <a:rPr lang="de-DE" dirty="0" err="1"/>
+              <a:t>range</a:t>
+            </a:r>
+            <a:r>
+              <a:rPr lang="de-DE" dirty="0"/>
+              <a:t>: 180 =&gt; 250*0.5 </a:t>
+            </a:r>
+          </a:p>
+          <a:p>
+            <a:pPr marL="800100" lvl="1" indent="-342900">
+              <a:buAutoNum type="arabicPeriod"/>
+            </a:pPr>
+            <a:r>
+              <a:rPr lang="de-DE" dirty="0" err="1"/>
+              <a:t>Sum</a:t>
+            </a:r>
+            <a:r>
+              <a:rPr lang="de-DE" dirty="0"/>
+              <a:t> </a:t>
+            </a:r>
+            <a:r>
+              <a:rPr lang="de-DE" dirty="0" err="1"/>
+              <a:t>of</a:t>
+            </a:r>
+            <a:r>
+              <a:rPr lang="de-DE" dirty="0"/>
+              <a:t> </a:t>
+            </a:r>
+            <a:r>
+              <a:rPr lang="de-DE" dirty="0" err="1"/>
+              <a:t>distances</a:t>
+            </a:r>
+            <a:r>
+              <a:rPr lang="de-DE" dirty="0"/>
+              <a:t> </a:t>
+            </a:r>
+            <a:r>
+              <a:rPr lang="de-DE" dirty="0" err="1"/>
+              <a:t>smaller</a:t>
+            </a:r>
+            <a:r>
+              <a:rPr lang="de-DE" dirty="0"/>
+              <a:t> </a:t>
+            </a:r>
+            <a:r>
+              <a:rPr lang="de-DE" dirty="0" err="1"/>
+              <a:t>than</a:t>
+            </a:r>
+            <a:r>
+              <a:rPr lang="de-DE" dirty="0"/>
+              <a:t> </a:t>
+            </a:r>
+            <a:r>
+              <a:rPr lang="de-DE" dirty="0" err="1"/>
+              <a:t>current</a:t>
+            </a:r>
+            <a:r>
+              <a:rPr lang="de-DE" dirty="0"/>
+              <a:t> </a:t>
+            </a:r>
+            <a:r>
+              <a:rPr lang="de-DE" dirty="0" err="1"/>
+              <a:t>best</a:t>
+            </a:r>
+            <a:r>
+              <a:rPr lang="de-DE" dirty="0"/>
+              <a:t> </a:t>
+            </a:r>
+            <a:r>
+              <a:rPr lang="de-DE" dirty="0" err="1"/>
+              <a:t>sum</a:t>
+            </a:r>
+            <a:r>
+              <a:rPr lang="de-DE" dirty="0"/>
+              <a:t>: 180 + 340 &lt; 530, </a:t>
+            </a:r>
+            <a:r>
+              <a:rPr lang="de-DE" dirty="0" err="1"/>
+              <a:t>set</a:t>
+            </a:r>
+            <a:r>
+              <a:rPr lang="de-DE" dirty="0"/>
+              <a:t> </a:t>
+            </a:r>
+            <a:r>
+              <a:rPr lang="de-DE" dirty="0" err="1"/>
+              <a:t>as</a:t>
+            </a:r>
+            <a:r>
+              <a:rPr lang="de-DE" dirty="0"/>
+              <a:t> </a:t>
+            </a:r>
+            <a:r>
+              <a:rPr lang="de-DE" dirty="0" err="1"/>
+              <a:t>currently</a:t>
+            </a:r>
+            <a:r>
+              <a:rPr lang="de-DE" dirty="0"/>
+              <a:t> </a:t>
+            </a:r>
+            <a:r>
+              <a:rPr lang="de-DE" dirty="0" err="1"/>
+              <a:t>best</a:t>
+            </a:r>
+            <a:r>
+              <a:rPr lang="de-DE" dirty="0"/>
+              <a:t> </a:t>
+            </a:r>
+            <a:r>
+              <a:rPr lang="de-DE" dirty="0" err="1"/>
+              <a:t>charging</a:t>
+            </a:r>
+            <a:r>
+              <a:rPr lang="de-DE" dirty="0"/>
+              <a:t> </a:t>
+            </a:r>
+            <a:r>
+              <a:rPr lang="de-DE" dirty="0" err="1"/>
+              <a:t>station</a:t>
+            </a:r>
+            <a:r>
+              <a:rPr lang="de-DE" dirty="0"/>
+              <a:t> </a:t>
+            </a:r>
+          </a:p>
+          <a:p>
+            <a:pPr marL="285750" indent="-285750">
+              <a:buFont typeface="Wingdings 3" charset="2"/>
+              <a:buChar char=""/>
+            </a:pPr>
+            <a:endParaRPr lang="de-DE" dirty="0"/>
           </a:p>
         </p:txBody>
       </p:sp>
+      <p:pic>
+        <p:nvPicPr>
+          <p:cNvPr id="3" name="Grafik 3" descr="Ein Bild, das Text, Karte enthält.&#10;&#10;Mit sehr hoher Zuverlässigkeit generierte Beschreibung">
+            <a:extLst>
+              <a:ext uri="{FF2B5EF4-FFF2-40B4-BE49-F238E27FC236}">
+                <a16:creationId xmlns:a16="http://schemas.microsoft.com/office/drawing/2014/main" id="{6C5E3AEF-04C0-46A5-B957-EE0E4F652E76}"/>
+              </a:ext>
+            </a:extLst>
+          </p:cNvPr>
+          <p:cNvPicPr>
+            <a:picLocks noChangeAspect="1"/>
+          </p:cNvPicPr>
+          <p:nvPr/>
+        </p:nvPicPr>
+        <p:blipFill>
+          <a:blip r:embed="rId3"/>
+          <a:stretch>
+            <a:fillRect/>
+          </a:stretch>
+        </p:blipFill>
+        <p:spPr>
+          <a:xfrm>
+            <a:off x="238259" y="1333607"/>
+            <a:ext cx="3279819" cy="4341041"/>
+          </a:xfrm>
+          <a:prstGeom prst="rect">
+            <a:avLst/>
+          </a:prstGeom>
+        </p:spPr>
+      </p:pic>
     </p:spTree>
     <p:extLst>
       <p:ext uri="{BB962C8B-B14F-4D97-AF65-F5344CB8AC3E}">
@@ -16079,15 +16062,33 @@
                                   </p:childTnLst>
                                 </p:cTn>
                               </p:par>
+                            </p:childTnLst>
+                          </p:cTn>
+                        </p:par>
+                      </p:childTnLst>
+                    </p:cTn>
+                  </p:par>
+                  <p:par>
+                    <p:cTn id="19" fill="hold">
+                      <p:stCondLst>
+                        <p:cond delay="indefinite"/>
+                      </p:stCondLst>
+                      <p:childTnLst>
+                        <p:par>
+                          <p:cTn id="20" fill="hold">
+                            <p:stCondLst>
+                              <p:cond delay="0"/>
+                            </p:stCondLst>
+                            <p:childTnLst>
                               <p:par>
-                                <p:cTn id="19" presetID="1" presetClass="entr" presetSubtype="0" fill="hold" grpId="0" nodeType="withEffect">
+                                <p:cTn id="21" presetID="1" presetClass="entr" presetSubtype="0" fill="hold" grpId="0" nodeType="clickEffect">
                                   <p:stCondLst>
                                     <p:cond delay="0"/>
                                   </p:stCondLst>
                                   <p:childTnLst>
                                     <p:set>
                                       <p:cBhvr>
-                                        <p:cTn id="20" dur="1" fill="hold">
+                                        <p:cTn id="22" dur="1" fill="hold">
                                           <p:stCondLst>
                                             <p:cond delay="0"/>
                                           </p:stCondLst>
@@ -16111,14 +16112,14 @@
                                 </p:cTn>
                               </p:par>
                               <p:par>
-                                <p:cTn id="21" presetID="1" presetClass="entr" presetSubtype="0" fill="hold" grpId="0" nodeType="withEffect">
+                                <p:cTn id="23" presetID="1" presetClass="entr" presetSubtype="0" fill="hold" grpId="0" nodeType="withEffect">
                                   <p:stCondLst>
                                     <p:cond delay="0"/>
                                   </p:stCondLst>
                                   <p:childTnLst>
                                     <p:set>
                                       <p:cBhvr>
-                                        <p:cTn id="22" dur="1" fill="hold">
+                                        <p:cTn id="24" dur="1" fill="hold">
                                           <p:stCondLst>
                                             <p:cond delay="0"/>
                                           </p:stCondLst>
@@ -16141,26 +16142,8 @@
                                   </p:childTnLst>
                                 </p:cTn>
                               </p:par>
-                            </p:childTnLst>
-                          </p:cTn>
-                        </p:par>
-                      </p:childTnLst>
-                    </p:cTn>
-                  </p:par>
-                  <p:par>
-                    <p:cTn id="23" fill="hold">
-                      <p:stCondLst>
-                        <p:cond delay="indefinite"/>
-                      </p:stCondLst>
-                      <p:childTnLst>
-                        <p:par>
-                          <p:cTn id="24" fill="hold">
-                            <p:stCondLst>
-                              <p:cond delay="0"/>
-                            </p:stCondLst>
-                            <p:childTnLst>
                               <p:par>
-                                <p:cTn id="25" presetID="1" presetClass="entr" presetSubtype="0" fill="hold" grpId="0" nodeType="clickEffect">
+                                <p:cTn id="25" presetID="1" presetClass="entr" presetSubtype="0" fill="hold" grpId="0" nodeType="withEffect">
                                   <p:stCondLst>
                                     <p:cond delay="0"/>
                                   </p:stCondLst>
